--- a/DVCSandCI/Getting Down To Business.pptx
+++ b/DVCSandCI/Getting Down To Business.pptx
@@ -17,24 +17,25 @@
     <p:sldId id="266" r:id="rId11"/>
     <p:sldId id="267" r:id="rId12"/>
     <p:sldId id="268" r:id="rId13"/>
-    <p:sldId id="270" r:id="rId14"/>
-    <p:sldId id="274" r:id="rId15"/>
-    <p:sldId id="273" r:id="rId16"/>
-    <p:sldId id="269" r:id="rId17"/>
-    <p:sldId id="275" r:id="rId18"/>
-    <p:sldId id="277" r:id="rId19"/>
-    <p:sldId id="271" r:id="rId20"/>
-    <p:sldId id="276" r:id="rId21"/>
-    <p:sldId id="278" r:id="rId22"/>
-    <p:sldId id="272" r:id="rId23"/>
-    <p:sldId id="280" r:id="rId24"/>
-    <p:sldId id="282" r:id="rId25"/>
-    <p:sldId id="279" r:id="rId26"/>
-    <p:sldId id="281" r:id="rId27"/>
-    <p:sldId id="283" r:id="rId28"/>
-    <p:sldId id="284" r:id="rId29"/>
-    <p:sldId id="285" r:id="rId30"/>
-    <p:sldId id="286" r:id="rId31"/>
+    <p:sldId id="288" r:id="rId14"/>
+    <p:sldId id="270" r:id="rId15"/>
+    <p:sldId id="287" r:id="rId16"/>
+    <p:sldId id="273" r:id="rId17"/>
+    <p:sldId id="269" r:id="rId18"/>
+    <p:sldId id="275" r:id="rId19"/>
+    <p:sldId id="277" r:id="rId20"/>
+    <p:sldId id="271" r:id="rId21"/>
+    <p:sldId id="276" r:id="rId22"/>
+    <p:sldId id="278" r:id="rId23"/>
+    <p:sldId id="272" r:id="rId24"/>
+    <p:sldId id="280" r:id="rId25"/>
+    <p:sldId id="282" r:id="rId26"/>
+    <p:sldId id="279" r:id="rId27"/>
+    <p:sldId id="281" r:id="rId28"/>
+    <p:sldId id="289" r:id="rId29"/>
+    <p:sldId id="283" r:id="rId30"/>
+    <p:sldId id="285" r:id="rId31"/>
+    <p:sldId id="284" r:id="rId32"/>
   </p:sldIdLst>
   <p:sldSz cx="9144000" cy="6858000" type="screen4x3"/>
   <p:notesSz cx="6858000" cy="9144000"/>
@@ -3237,7 +3238,7 @@
           <a:p>
             <a:r>
               <a:rPr lang="en-US" dirty="0" smtClean="0"/>
-              <a:t>Pushing</a:t>
+              <a:t>Pulling</a:t>
             </a:r>
             <a:endParaRPr lang="en-US" dirty="0"/>
           </a:p>
@@ -3612,7 +3613,7 @@
       </p:grpSpPr>
       <p:sp>
         <p:nvSpPr>
-          <p:cNvPr id="4" name="Title 3"/>
+          <p:cNvPr id="6" name="Title 5"/>
           <p:cNvSpPr>
             <a:spLocks noGrp="1"/>
           </p:cNvSpPr>
@@ -3627,7 +3628,7 @@
           <a:p>
             <a:r>
               <a:rPr lang="en-US" dirty="0" smtClean="0"/>
-              <a:t>Productivity with DVCS</a:t>
+              <a:t>?s</a:t>
             </a:r>
             <a:endParaRPr lang="en-US" dirty="0"/>
           </a:p>
@@ -3635,7 +3636,7 @@
       </p:sp>
       <p:sp>
         <p:nvSpPr>
-          <p:cNvPr id="5" name="Subtitle 4"/>
+          <p:cNvPr id="5" name="Text Placeholder 4"/>
           <p:cNvSpPr>
             <a:spLocks noGrp="1"/>
           </p:cNvSpPr>
@@ -3648,14 +3649,14 @@
           <a:bodyPr/>
           <a:lstStyle/>
           <a:p>
-            <a:endParaRPr lang="en-US"/>
+            <a:endParaRPr lang="en-US" dirty="0"/>
           </a:p>
         </p:txBody>
       </p:sp>
     </p:spTree>
     <p:extLst>
       <p:ext uri="{BB962C8B-B14F-4D97-AF65-F5344CB8AC3E}">
-        <p14:creationId xmlns:p14="http://schemas.microsoft.com/office/powerpoint/2010/main" val="2140252782"/>
+        <p14:creationId xmlns:p14="http://schemas.microsoft.com/office/powerpoint/2010/main" val="1113078959"/>
       </p:ext>
     </p:extLst>
   </p:cSld>
@@ -3699,7 +3700,7 @@
           <a:p>
             <a:r>
               <a:rPr lang="en-US" dirty="0" smtClean="0"/>
-              <a:t>List Frustrations</a:t>
+              <a:t>Productivity with DVCS</a:t>
             </a:r>
             <a:endParaRPr lang="en-US" dirty="0"/>
           </a:p>
@@ -3727,7 +3728,7 @@
     </p:spTree>
     <p:extLst>
       <p:ext uri="{BB962C8B-B14F-4D97-AF65-F5344CB8AC3E}">
-        <p14:creationId xmlns:p14="http://schemas.microsoft.com/office/powerpoint/2010/main" val="345305381"/>
+        <p14:creationId xmlns:p14="http://schemas.microsoft.com/office/powerpoint/2010/main" val="2140252782"/>
       </p:ext>
     </p:extLst>
   </p:cSld>
@@ -3756,22 +3757,22 @@
       </p:grpSpPr>
       <p:sp>
         <p:nvSpPr>
-          <p:cNvPr id="2" name="Title 1"/>
-          <p:cNvSpPr>
-            <a:spLocks noGrp="1"/>
-          </p:cNvSpPr>
-          <p:nvPr>
-            <p:ph type="title"/>
-          </p:nvPr>
-        </p:nvSpPr>
-        <p:spPr/>
-        <p:txBody>
-          <a:bodyPr/>
-          <a:lstStyle/>
-          <a:p>
-            <a:r>
-              <a:rPr lang="en-US" dirty="0" smtClean="0"/>
-              <a:t>Resources</a:t>
+          <p:cNvPr id="6" name="Title 5"/>
+          <p:cNvSpPr>
+            <a:spLocks noGrp="1"/>
+          </p:cNvSpPr>
+          <p:nvPr>
+            <p:ph type="ctrTitle"/>
+          </p:nvPr>
+        </p:nvSpPr>
+        <p:spPr/>
+        <p:txBody>
+          <a:bodyPr/>
+          <a:lstStyle/>
+          <a:p>
+            <a:r>
+              <a:rPr lang="en-US" dirty="0" smtClean="0"/>
+              <a:t>Address Frustrations w/ VCS</a:t>
             </a:r>
             <a:endParaRPr lang="en-US" dirty="0"/>
           </a:p>
@@ -3779,34 +3780,19 @@
       </p:sp>
       <p:sp>
         <p:nvSpPr>
-          <p:cNvPr id="3" name="Content Placeholder 2"/>
-          <p:cNvSpPr>
-            <a:spLocks noGrp="1"/>
-          </p:cNvSpPr>
-          <p:nvPr>
-            <p:ph idx="1"/>
-          </p:nvPr>
-        </p:nvSpPr>
-        <p:spPr/>
-        <p:txBody>
-          <a:bodyPr/>
-          <a:lstStyle/>
-          <a:p>
-            <a:r>
-              <a:rPr lang="en-US" dirty="0" smtClean="0">
-                <a:hlinkClick r:id="rId2"/>
-              </a:rPr>
-              <a:t>http://geekswithblogs.net/wesm/archive/2010/04/28/how-i-do-vcs.aspx</a:t>
-            </a:r>
-            <a:endParaRPr lang="en-US" dirty="0" smtClean="0"/>
-          </a:p>
-          <a:p>
-            <a:r>
-              <a:rPr lang="en-US" dirty="0" smtClean="0">
-                <a:hlinkClick r:id="rId3"/>
-              </a:rPr>
-              <a:t>http://geekswithblogs.net/wesm/archive/2011/02/06/things-ive-noticed-with-dvcs.aspx</a:t>
-            </a:r>
+          <p:cNvPr id="5" name="Text Placeholder 4"/>
+          <p:cNvSpPr>
+            <a:spLocks noGrp="1"/>
+          </p:cNvSpPr>
+          <p:nvPr>
+            <p:ph type="subTitle" idx="1"/>
+          </p:nvPr>
+        </p:nvSpPr>
+        <p:spPr/>
+        <p:txBody>
+          <a:bodyPr/>
+          <a:lstStyle/>
+          <a:p>
             <a:endParaRPr lang="en-US" dirty="0"/>
           </a:p>
         </p:txBody>
@@ -3814,7 +3800,7 @@
     </p:spTree>
     <p:extLst>
       <p:ext uri="{BB962C8B-B14F-4D97-AF65-F5344CB8AC3E}">
-        <p14:creationId xmlns:p14="http://schemas.microsoft.com/office/powerpoint/2010/main" val="1137186821"/>
+        <p14:creationId xmlns:p14="http://schemas.microsoft.com/office/powerpoint/2010/main" val="1166760820"/>
       </p:ext>
     </p:extLst>
   </p:cSld>
@@ -3858,7 +3844,7 @@
           <a:p>
             <a:r>
               <a:rPr lang="en-US" dirty="0" smtClean="0"/>
-              <a:t>Problem: Offline Access</a:t>
+              <a:t>Resources</a:t>
             </a:r>
             <a:endParaRPr lang="en-US" dirty="0"/>
           </a:p>
@@ -3876,83 +3862,24 @@
         </p:nvSpPr>
         <p:spPr/>
         <p:txBody>
-          <a:bodyPr>
-            <a:normAutofit lnSpcReduction="10000"/>
-          </a:bodyPr>
-          <a:lstStyle/>
-          <a:p>
-            <a:r>
-              <a:rPr lang="en-US" dirty="0" smtClean="0"/>
-              <a:t>hg </a:t>
-            </a:r>
-            <a:r>
-              <a:rPr lang="en-US" dirty="0"/>
-              <a:t>clone </a:t>
-            </a:r>
-            <a:r>
-              <a:rPr lang="en-US" dirty="0">
-                <a:hlinkClick r:id="rId2"/>
-              </a:rPr>
-              <a:t>https://</a:t>
-            </a:r>
+          <a:bodyPr/>
+          <a:lstStyle/>
+          <a:p>
             <a:r>
               <a:rPr lang="en-US" dirty="0" smtClean="0">
                 <a:hlinkClick r:id="rId2"/>
               </a:rPr>
-              <a:t>wes_mcclure@bitbucket.org/lincolndev/lincolndev.net</a:t>
+              <a:t>http://geekswithblogs.net/wesm/archive/2010/04/28/how-i-do-vcs.aspx</a:t>
             </a:r>
             <a:endParaRPr lang="en-US" dirty="0" smtClean="0"/>
           </a:p>
           <a:p>
             <a:r>
-              <a:rPr lang="en-US" dirty="0" smtClean="0"/>
-              <a:t>Unplug internets</a:t>
-            </a:r>
-          </a:p>
-          <a:p>
-            <a:r>
-              <a:rPr lang="en-US" dirty="0" smtClean="0"/>
-              <a:t>Open Hg Workbench!</a:t>
-            </a:r>
-          </a:p>
-          <a:p>
-            <a:pPr lvl="1"/>
-            <a:r>
-              <a:rPr lang="en-US" dirty="0" smtClean="0"/>
-              <a:t>History</a:t>
-            </a:r>
-          </a:p>
-          <a:p>
-            <a:pPr lvl="2"/>
-            <a:r>
-              <a:rPr lang="en-US" dirty="0" smtClean="0"/>
-              <a:t>Go back in time</a:t>
-            </a:r>
-          </a:p>
-          <a:p>
-            <a:pPr lvl="2"/>
-            <a:r>
-              <a:rPr lang="en-US" dirty="0" smtClean="0"/>
-              <a:t>Search</a:t>
-            </a:r>
-          </a:p>
-          <a:p>
-            <a:pPr lvl="1"/>
-            <a:r>
-              <a:rPr lang="en-US" dirty="0" smtClean="0"/>
-              <a:t>Commits</a:t>
-            </a:r>
-          </a:p>
-          <a:p>
-            <a:pPr lvl="1"/>
-            <a:endParaRPr lang="en-US" dirty="0" smtClean="0"/>
-          </a:p>
-          <a:p>
-            <a:pPr lvl="1"/>
-            <a:endParaRPr lang="en-US" dirty="0" smtClean="0"/>
-          </a:p>
-          <a:p>
-            <a:pPr lvl="1"/>
+              <a:rPr lang="en-US" dirty="0" smtClean="0">
+                <a:hlinkClick r:id="rId3"/>
+              </a:rPr>
+              <a:t>http://geekswithblogs.net/wesm/archive/2011/02/06/things-ive-noticed-with-dvcs.aspx</a:t>
+            </a:r>
             <a:endParaRPr lang="en-US" dirty="0"/>
           </a:p>
         </p:txBody>
@@ -3960,7 +3887,7 @@
     </p:spTree>
     <p:extLst>
       <p:ext uri="{BB962C8B-B14F-4D97-AF65-F5344CB8AC3E}">
-        <p14:creationId xmlns:p14="http://schemas.microsoft.com/office/powerpoint/2010/main" val="3704396063"/>
+        <p14:creationId xmlns:p14="http://schemas.microsoft.com/office/powerpoint/2010/main" val="1137186821"/>
       </p:ext>
     </p:extLst>
   </p:cSld>
@@ -4004,7 +3931,7 @@
           <a:p>
             <a:r>
               <a:rPr lang="en-US" dirty="0" smtClean="0"/>
-              <a:t>Problem: Merge Conflicts</a:t>
+              <a:t>Problem: Offline Access</a:t>
             </a:r>
             <a:endParaRPr lang="en-US" dirty="0"/>
           </a:p>
@@ -4022,27 +3949,83 @@
         </p:nvSpPr>
         <p:spPr/>
         <p:txBody>
-          <a:bodyPr/>
-          <a:lstStyle/>
-          <a:p>
-            <a:r>
-              <a:rPr lang="en-US" dirty="0" smtClean="0"/>
-              <a:t>Solution: Increase Frequency of Commits</a:t>
-            </a:r>
-          </a:p>
-          <a:p>
-            <a:pPr lvl="1"/>
-            <a:r>
-              <a:rPr lang="en-US" dirty="0" smtClean="0"/>
-              <a:t>Smaller commits</a:t>
-            </a:r>
-          </a:p>
-          <a:p>
-            <a:pPr lvl="1"/>
-            <a:r>
-              <a:rPr lang="en-US" dirty="0" smtClean="0"/>
-              <a:t>Easier to visualize conflicts</a:t>
-            </a:r>
+          <a:bodyPr>
+            <a:normAutofit lnSpcReduction="10000"/>
+          </a:bodyPr>
+          <a:lstStyle/>
+          <a:p>
+            <a:r>
+              <a:rPr lang="en-US" dirty="0" smtClean="0"/>
+              <a:t>hg </a:t>
+            </a:r>
+            <a:r>
+              <a:rPr lang="en-US" dirty="0"/>
+              <a:t>clone </a:t>
+            </a:r>
+            <a:r>
+              <a:rPr lang="en-US" dirty="0">
+                <a:hlinkClick r:id="rId2"/>
+              </a:rPr>
+              <a:t>https://</a:t>
+            </a:r>
+            <a:r>
+              <a:rPr lang="en-US" dirty="0" smtClean="0">
+                <a:hlinkClick r:id="rId2"/>
+              </a:rPr>
+              <a:t>wes_mcclure@bitbucket.org/lincolndev/lincolndev.net</a:t>
+            </a:r>
+            <a:endParaRPr lang="en-US" dirty="0" smtClean="0"/>
+          </a:p>
+          <a:p>
+            <a:r>
+              <a:rPr lang="en-US" dirty="0" smtClean="0"/>
+              <a:t>Unplug internets</a:t>
+            </a:r>
+          </a:p>
+          <a:p>
+            <a:r>
+              <a:rPr lang="en-US" dirty="0" smtClean="0"/>
+              <a:t>Open Hg Workbench!</a:t>
+            </a:r>
+          </a:p>
+          <a:p>
+            <a:pPr lvl="1"/>
+            <a:r>
+              <a:rPr lang="en-US" dirty="0" smtClean="0"/>
+              <a:t>History</a:t>
+            </a:r>
+          </a:p>
+          <a:p>
+            <a:pPr lvl="2"/>
+            <a:r>
+              <a:rPr lang="en-US" dirty="0" smtClean="0"/>
+              <a:t>Go back in time</a:t>
+            </a:r>
+          </a:p>
+          <a:p>
+            <a:pPr lvl="2"/>
+            <a:r>
+              <a:rPr lang="en-US" dirty="0" smtClean="0"/>
+              <a:t>Search</a:t>
+            </a:r>
+          </a:p>
+          <a:p>
+            <a:pPr lvl="1"/>
+            <a:r>
+              <a:rPr lang="en-US" dirty="0" smtClean="0"/>
+              <a:t>Commits</a:t>
+            </a:r>
+          </a:p>
+          <a:p>
+            <a:pPr lvl="1"/>
+            <a:endParaRPr lang="en-US" dirty="0" smtClean="0"/>
+          </a:p>
+          <a:p>
+            <a:pPr lvl="1"/>
+            <a:endParaRPr lang="en-US" dirty="0" smtClean="0"/>
+          </a:p>
+          <a:p>
+            <a:pPr lvl="1"/>
             <a:endParaRPr lang="en-US" dirty="0"/>
           </a:p>
         </p:txBody>
@@ -4050,7 +4033,7 @@
     </p:spTree>
     <p:extLst>
       <p:ext uri="{BB962C8B-B14F-4D97-AF65-F5344CB8AC3E}">
-        <p14:creationId xmlns:p14="http://schemas.microsoft.com/office/powerpoint/2010/main" val="3652422806"/>
+        <p14:creationId xmlns:p14="http://schemas.microsoft.com/office/powerpoint/2010/main" val="3704396063"/>
       </p:ext>
     </p:extLst>
   </p:cSld>
@@ -4089,14 +4072,12 @@
         </p:nvSpPr>
         <p:spPr/>
         <p:txBody>
-          <a:bodyPr>
-            <a:normAutofit fontScale="90000"/>
-          </a:bodyPr>
-          <a:lstStyle/>
-          <a:p>
-            <a:r>
-              <a:rPr lang="en-US" dirty="0" smtClean="0"/>
-              <a:t>Problem: Large Incoherent Commits</a:t>
+          <a:bodyPr/>
+          <a:lstStyle/>
+          <a:p>
+            <a:r>
+              <a:rPr lang="en-US" dirty="0" smtClean="0"/>
+              <a:t>Problem: Merge Conflicts</a:t>
             </a:r>
             <a:endParaRPr lang="en-US" dirty="0"/>
           </a:p>
@@ -4126,22 +4107,23 @@
             <a:pPr lvl="1"/>
             <a:r>
               <a:rPr lang="en-US" dirty="0" smtClean="0"/>
-              <a:t>Isolate intent</a:t>
-            </a:r>
-          </a:p>
-          <a:p>
-            <a:pPr lvl="1"/>
-            <a:r>
-              <a:rPr lang="en-US" dirty="0" smtClean="0"/>
-              <a:t>Add confidence</a:t>
-            </a:r>
+              <a:t>Smaller commits</a:t>
+            </a:r>
+          </a:p>
+          <a:p>
+            <a:pPr lvl="1"/>
+            <a:r>
+              <a:rPr lang="en-US" dirty="0" smtClean="0"/>
+              <a:t>Easier to visualize conflicts</a:t>
+            </a:r>
+            <a:endParaRPr lang="en-US" dirty="0"/>
           </a:p>
         </p:txBody>
       </p:sp>
     </p:spTree>
     <p:extLst>
       <p:ext uri="{BB962C8B-B14F-4D97-AF65-F5344CB8AC3E}">
-        <p14:creationId xmlns:p14="http://schemas.microsoft.com/office/powerpoint/2010/main" val="3361301474"/>
+        <p14:creationId xmlns:p14="http://schemas.microsoft.com/office/powerpoint/2010/main" val="3652422806"/>
       </p:ext>
     </p:extLst>
   </p:cSld>
@@ -4181,13 +4163,13 @@
         <p:spPr/>
         <p:txBody>
           <a:bodyPr>
-            <a:normAutofit/>
+            <a:normAutofit fontScale="90000"/>
           </a:bodyPr>
           <a:lstStyle/>
           <a:p>
             <a:r>
               <a:rPr lang="en-US" dirty="0" smtClean="0"/>
-              <a:t>Problem: Infrequent Integration</a:t>
+              <a:t>Problem: Large Incoherent Commits</a:t>
             </a:r>
             <a:endParaRPr lang="en-US" dirty="0"/>
           </a:p>
@@ -4203,40 +4185,28 @@
             <p:ph idx="1"/>
           </p:nvPr>
         </p:nvSpPr>
-        <p:spPr>
-          <a:ln>
-            <a:solidFill>
-              <a:schemeClr val="accent1"/>
-            </a:solidFill>
-          </a:ln>
-        </p:spPr>
-        <p:txBody>
-          <a:bodyPr/>
-          <a:lstStyle/>
-          <a:p>
-            <a:r>
-              <a:rPr lang="en-US" b="1" dirty="0" smtClean="0"/>
-              <a:t>Requiring integration to commit decreases frequency of commits and integration</a:t>
-            </a:r>
-          </a:p>
-          <a:p>
-            <a:r>
-              <a:rPr lang="en-US" dirty="0" smtClean="0"/>
-              <a:t>Solution: Separate commit from integration</a:t>
-            </a:r>
-          </a:p>
-          <a:p>
-            <a:pPr lvl="1"/>
-            <a:r>
-              <a:rPr lang="en-US" dirty="0" smtClean="0"/>
-              <a:t>Increases frequency of commits</a:t>
-            </a:r>
-          </a:p>
-          <a:p>
-            <a:pPr lvl="1"/>
-            <a:r>
-              <a:rPr lang="en-US" dirty="0" smtClean="0"/>
-              <a:t>Easier to integrate</a:t>
+        <p:spPr/>
+        <p:txBody>
+          <a:bodyPr/>
+          <a:lstStyle/>
+          <a:p>
+            <a:r>
+              <a:rPr lang="en-US" dirty="0" smtClean="0"/>
+              <a:t>Solution: Increase Frequency of Commits</a:t>
+            </a:r>
+          </a:p>
+          <a:p>
+            <a:pPr lvl="1"/>
+            <a:r>
+              <a:rPr lang="en-US" dirty="0" smtClean="0"/>
+              <a:t>Isolate intent</a:t>
+            </a:r>
+          </a:p>
+          <a:p>
+            <a:pPr lvl="1"/>
+            <a:r>
+              <a:rPr lang="en-US" dirty="0" smtClean="0"/>
+              <a:t>Add confidence</a:t>
             </a:r>
           </a:p>
         </p:txBody>
@@ -4244,7 +4214,7 @@
     </p:spTree>
     <p:extLst>
       <p:ext uri="{BB962C8B-B14F-4D97-AF65-F5344CB8AC3E}">
-        <p14:creationId xmlns:p14="http://schemas.microsoft.com/office/powerpoint/2010/main" val="4027271739"/>
+        <p14:creationId xmlns:p14="http://schemas.microsoft.com/office/powerpoint/2010/main" val="3361301474"/>
       </p:ext>
     </p:extLst>
   </p:cSld>
@@ -4426,29 +4396,6 @@
         </p:nvSpPr>
         <p:spPr/>
         <p:txBody>
-          <a:bodyPr/>
-          <a:lstStyle/>
-          <a:p>
-            <a:r>
-              <a:rPr lang="en-US" dirty="0" smtClean="0"/>
-              <a:t>Problem: Unwanted Code</a:t>
-            </a:r>
-            <a:endParaRPr lang="en-US" dirty="0"/>
-          </a:p>
-        </p:txBody>
-      </p:sp>
-      <p:sp>
-        <p:nvSpPr>
-          <p:cNvPr id="3" name="Content Placeholder 2"/>
-          <p:cNvSpPr>
-            <a:spLocks noGrp="1"/>
-          </p:cNvSpPr>
-          <p:nvPr>
-            <p:ph idx="1"/>
-          </p:nvPr>
-        </p:nvSpPr>
-        <p:spPr/>
-        <p:txBody>
           <a:bodyPr>
             <a:normAutofit/>
           </a:bodyPr>
@@ -4456,24 +4403,64 @@
           <a:p>
             <a:r>
               <a:rPr lang="en-US" dirty="0" smtClean="0"/>
-              <a:t>Solution: AIO tool</a:t>
-            </a:r>
-          </a:p>
-          <a:p>
-            <a:r>
-              <a:rPr lang="en-US" dirty="0" smtClean="0"/>
-              <a:t>Easy to review commits</a:t>
-            </a:r>
-          </a:p>
-          <a:p>
+              <a:t>Problem: Infrequent Integration</a:t>
+            </a:r>
             <a:endParaRPr lang="en-US" dirty="0"/>
+          </a:p>
+        </p:txBody>
+      </p:sp>
+      <p:sp>
+        <p:nvSpPr>
+          <p:cNvPr id="3" name="Content Placeholder 2"/>
+          <p:cNvSpPr>
+            <a:spLocks noGrp="1"/>
+          </p:cNvSpPr>
+          <p:nvPr>
+            <p:ph idx="1"/>
+          </p:nvPr>
+        </p:nvSpPr>
+        <p:spPr>
+          <a:ln>
+            <a:solidFill>
+              <a:schemeClr val="accent1"/>
+            </a:solidFill>
+          </a:ln>
+        </p:spPr>
+        <p:txBody>
+          <a:bodyPr/>
+          <a:lstStyle/>
+          <a:p>
+            <a:r>
+              <a:rPr lang="en-US" b="1" dirty="0" smtClean="0"/>
+              <a:t>Requiring integration to commit decreases frequency of commits and integration</a:t>
+            </a:r>
+          </a:p>
+          <a:p>
+            <a:r>
+              <a:rPr lang="en-US" dirty="0" smtClean="0"/>
+              <a:t>Solution: Separate commit from integration</a:t>
+            </a:r>
+          </a:p>
+          <a:p>
+            <a:pPr lvl="1"/>
+            <a:r>
+              <a:rPr lang="en-US" dirty="0" smtClean="0"/>
+              <a:t>Increases frequency of commits</a:t>
+            </a:r>
+          </a:p>
+          <a:p>
+            <a:pPr lvl="1"/>
+            <a:r>
+              <a:rPr lang="en-US" dirty="0" smtClean="0"/>
+              <a:t>Easier to integrate</a:t>
+            </a:r>
           </a:p>
         </p:txBody>
       </p:sp>
     </p:spTree>
     <p:extLst>
       <p:ext uri="{BB962C8B-B14F-4D97-AF65-F5344CB8AC3E}">
-        <p14:creationId xmlns:p14="http://schemas.microsoft.com/office/powerpoint/2010/main" val="1589408392"/>
+        <p14:creationId xmlns:p14="http://schemas.microsoft.com/office/powerpoint/2010/main" val="4027271739"/>
       </p:ext>
     </p:extLst>
   </p:cSld>
@@ -4517,7 +4504,7 @@
           <a:p>
             <a:r>
               <a:rPr lang="en-US" dirty="0" smtClean="0"/>
-              <a:t>Problem: Commit without Message</a:t>
+              <a:t>Problem: Unwanted Code</a:t>
             </a:r>
             <a:endParaRPr lang="en-US" dirty="0"/>
           </a:p>
@@ -4546,33 +4533,9 @@
             </a:r>
           </a:p>
           <a:p>
-            <a:pPr lvl="1"/>
-            <a:r>
-              <a:rPr lang="en-US" dirty="0" smtClean="0"/>
-              <a:t>Easy to add message</a:t>
-            </a:r>
-          </a:p>
-          <a:p>
-            <a:endParaRPr lang="en-US" dirty="0"/>
-          </a:p>
-          <a:p>
-            <a:r>
-              <a:rPr lang="en-US" dirty="0" smtClean="0"/>
-              <a:t>Solution: Increase frequency of commits</a:t>
-            </a:r>
-          </a:p>
-          <a:p>
-            <a:pPr lvl="1"/>
-            <a:r>
-              <a:rPr lang="en-US" dirty="0" smtClean="0"/>
-              <a:t>Smaller messages</a:t>
-            </a:r>
-          </a:p>
-          <a:p>
-            <a:pPr lvl="1"/>
-            <a:r>
-              <a:rPr lang="en-US" dirty="0" smtClean="0"/>
-              <a:t>Easier to describe</a:t>
+            <a:r>
+              <a:rPr lang="en-US" dirty="0" smtClean="0"/>
+              <a:t>Easy to review commits</a:t>
             </a:r>
           </a:p>
           <a:p>
@@ -4583,7 +4546,7 @@
     </p:spTree>
     <p:extLst>
       <p:ext uri="{BB962C8B-B14F-4D97-AF65-F5344CB8AC3E}">
-        <p14:creationId xmlns:p14="http://schemas.microsoft.com/office/powerpoint/2010/main" val="3836588374"/>
+        <p14:creationId xmlns:p14="http://schemas.microsoft.com/office/powerpoint/2010/main" val="1589408392"/>
       </p:ext>
     </p:extLst>
   </p:cSld>
@@ -4627,7 +4590,7 @@
           <a:p>
             <a:r>
               <a:rPr lang="en-US" dirty="0" smtClean="0"/>
-              <a:t>Problem: Visualizing Integration</a:t>
+              <a:t>Problem: Commit without Message</a:t>
             </a:r>
             <a:endParaRPr lang="en-US" dirty="0"/>
           </a:p>
@@ -4645,7 +4608,9 @@
         </p:nvSpPr>
         <p:spPr/>
         <p:txBody>
-          <a:bodyPr/>
+          <a:bodyPr>
+            <a:normAutofit/>
+          </a:bodyPr>
           <a:lstStyle/>
           <a:p>
             <a:r>
@@ -4654,37 +4619,33 @@
             </a:r>
           </a:p>
           <a:p>
-            <a:r>
-              <a:rPr lang="en-US" dirty="0" smtClean="0"/>
-              <a:t>Easier to</a:t>
-            </a:r>
-          </a:p>
-          <a:p>
-            <a:pPr lvl="1"/>
-            <a:r>
-              <a:rPr lang="en-US" dirty="0" smtClean="0"/>
-              <a:t>View log</a:t>
-            </a:r>
-          </a:p>
-          <a:p>
-            <a:pPr lvl="1"/>
-            <a:r>
-              <a:rPr lang="en-US" dirty="0" smtClean="0"/>
-              <a:t>See other contributions</a:t>
-            </a:r>
-          </a:p>
-          <a:p>
-            <a:pPr lvl="1"/>
-            <a:r>
-              <a:rPr lang="en-US" dirty="0" smtClean="0"/>
-              <a:t>Integrate</a:t>
-            </a:r>
-          </a:p>
-          <a:p>
-            <a:pPr lvl="1"/>
-            <a:r>
-              <a:rPr lang="en-US" dirty="0" smtClean="0"/>
-              <a:t>Stay focused</a:t>
+            <a:pPr lvl="1"/>
+            <a:r>
+              <a:rPr lang="en-US" dirty="0" smtClean="0"/>
+              <a:t>Easy to add message</a:t>
+            </a:r>
+          </a:p>
+          <a:p>
+            <a:endParaRPr lang="en-US" dirty="0"/>
+          </a:p>
+          <a:p>
+            <a:r>
+              <a:rPr lang="en-US" dirty="0" smtClean="0"/>
+              <a:t>Solution: Increase frequency of commits</a:t>
+            </a:r>
+          </a:p>
+          <a:p>
+            <a:pPr lvl="1"/>
+            <a:r>
+              <a:rPr lang="en-US" dirty="0" smtClean="0"/>
+              <a:t>Smaller messages</a:t>
+            </a:r>
+          </a:p>
+          <a:p>
+            <a:pPr lvl="1"/>
+            <a:r>
+              <a:rPr lang="en-US" dirty="0" smtClean="0"/>
+              <a:t>Easier to describe</a:t>
             </a:r>
           </a:p>
           <a:p>
@@ -4695,7 +4656,7 @@
     </p:spTree>
     <p:extLst>
       <p:ext uri="{BB962C8B-B14F-4D97-AF65-F5344CB8AC3E}">
-        <p14:creationId xmlns:p14="http://schemas.microsoft.com/office/powerpoint/2010/main" val="1674272048"/>
+        <p14:creationId xmlns:p14="http://schemas.microsoft.com/office/powerpoint/2010/main" val="3836588374"/>
       </p:ext>
     </p:extLst>
   </p:cSld>
@@ -4739,7 +4700,7 @@
           <a:p>
             <a:r>
               <a:rPr lang="en-US" dirty="0" smtClean="0"/>
-              <a:t>Problem: Exploratory coding</a:t>
+              <a:t>Problem: Visualizing Integration</a:t>
             </a:r>
             <a:endParaRPr lang="en-US" dirty="0"/>
           </a:p>
@@ -4762,45 +4723,52 @@
           <a:p>
             <a:r>
               <a:rPr lang="en-US" dirty="0" smtClean="0"/>
-              <a:t>Solution: Throw away commits</a:t>
-            </a:r>
-          </a:p>
-          <a:p>
-            <a:pPr lvl="1"/>
-            <a:r>
-              <a:rPr lang="en-US" dirty="0" smtClean="0"/>
-              <a:t>Frequent commits isolates our work</a:t>
-            </a:r>
-          </a:p>
-          <a:p>
-            <a:pPr lvl="1"/>
-            <a:r>
-              <a:rPr lang="en-US" dirty="0" smtClean="0"/>
-              <a:t>Revert the whole commit!</a:t>
-            </a:r>
-          </a:p>
-          <a:p>
-            <a:pPr lvl="2"/>
-            <a:r>
-              <a:rPr lang="en-US" dirty="0" smtClean="0"/>
-              <a:t>Why waste time deciphering what you do/don’t need</a:t>
-            </a:r>
-          </a:p>
-          <a:p>
-            <a:endParaRPr lang="en-US" dirty="0" smtClean="0"/>
-          </a:p>
-          <a:p>
-            <a:r>
-              <a:rPr lang="en-US" dirty="0" smtClean="0"/>
-              <a:t>Solution: Stash/Shelve</a:t>
-            </a:r>
+              <a:t>Solution: AIO tool</a:t>
+            </a:r>
+          </a:p>
+          <a:p>
+            <a:r>
+              <a:rPr lang="en-US" dirty="0" smtClean="0"/>
+              <a:t>Easier to</a:t>
+            </a:r>
+          </a:p>
+          <a:p>
+            <a:pPr lvl="1"/>
+            <a:r>
+              <a:rPr lang="en-US" dirty="0" smtClean="0"/>
+              <a:t>View log</a:t>
+            </a:r>
+          </a:p>
+          <a:p>
+            <a:pPr lvl="1"/>
+            <a:r>
+              <a:rPr lang="en-US" dirty="0" smtClean="0"/>
+              <a:t>See other contributions</a:t>
+            </a:r>
+          </a:p>
+          <a:p>
+            <a:pPr lvl="1"/>
+            <a:r>
+              <a:rPr lang="en-US" dirty="0" smtClean="0"/>
+              <a:t>Integrate</a:t>
+            </a:r>
+          </a:p>
+          <a:p>
+            <a:pPr lvl="1"/>
+            <a:r>
+              <a:rPr lang="en-US" dirty="0" smtClean="0"/>
+              <a:t>Stay focused</a:t>
+            </a:r>
+          </a:p>
+          <a:p>
+            <a:endParaRPr lang="en-US" dirty="0"/>
           </a:p>
         </p:txBody>
       </p:sp>
     </p:spTree>
     <p:extLst>
       <p:ext uri="{BB962C8B-B14F-4D97-AF65-F5344CB8AC3E}">
-        <p14:creationId xmlns:p14="http://schemas.microsoft.com/office/powerpoint/2010/main" val="4076736192"/>
+        <p14:creationId xmlns:p14="http://schemas.microsoft.com/office/powerpoint/2010/main" val="1674272048"/>
       </p:ext>
     </p:extLst>
   </p:cSld>
@@ -4844,6 +4812,111 @@
           <a:p>
             <a:r>
               <a:rPr lang="en-US" dirty="0" smtClean="0"/>
+              <a:t>Problem: Exploratory coding</a:t>
+            </a:r>
+            <a:endParaRPr lang="en-US" dirty="0"/>
+          </a:p>
+        </p:txBody>
+      </p:sp>
+      <p:sp>
+        <p:nvSpPr>
+          <p:cNvPr id="3" name="Content Placeholder 2"/>
+          <p:cNvSpPr>
+            <a:spLocks noGrp="1"/>
+          </p:cNvSpPr>
+          <p:nvPr>
+            <p:ph idx="1"/>
+          </p:nvPr>
+        </p:nvSpPr>
+        <p:spPr/>
+        <p:txBody>
+          <a:bodyPr/>
+          <a:lstStyle/>
+          <a:p>
+            <a:r>
+              <a:rPr lang="en-US" dirty="0" smtClean="0"/>
+              <a:t>Solution: Throw away commits</a:t>
+            </a:r>
+          </a:p>
+          <a:p>
+            <a:pPr lvl="1"/>
+            <a:r>
+              <a:rPr lang="en-US" dirty="0" smtClean="0"/>
+              <a:t>Frequent commits isolates our work</a:t>
+            </a:r>
+          </a:p>
+          <a:p>
+            <a:pPr lvl="1"/>
+            <a:r>
+              <a:rPr lang="en-US" dirty="0" smtClean="0"/>
+              <a:t>Revert the whole commit!</a:t>
+            </a:r>
+          </a:p>
+          <a:p>
+            <a:pPr lvl="2"/>
+            <a:r>
+              <a:rPr lang="en-US" dirty="0" smtClean="0"/>
+              <a:t>Why waste time deciphering what you do/don’t need</a:t>
+            </a:r>
+          </a:p>
+          <a:p>
+            <a:endParaRPr lang="en-US" dirty="0" smtClean="0"/>
+          </a:p>
+          <a:p>
+            <a:r>
+              <a:rPr lang="en-US" dirty="0" smtClean="0"/>
+              <a:t>Solution: Stash/Shelve</a:t>
+            </a:r>
+          </a:p>
+        </p:txBody>
+      </p:sp>
+    </p:spTree>
+    <p:extLst>
+      <p:ext uri="{BB962C8B-B14F-4D97-AF65-F5344CB8AC3E}">
+        <p14:creationId xmlns:p14="http://schemas.microsoft.com/office/powerpoint/2010/main" val="4076736192"/>
+      </p:ext>
+    </p:extLst>
+  </p:cSld>
+  <p:clrMapOvr>
+    <a:masterClrMapping/>
+  </p:clrMapOvr>
+</p:sld>
+</file>
+
+<file path=ppt/slides/slide25.xml><?xml version="1.0" encoding="utf-8"?>
+<p:sld xmlns:a="http://schemas.openxmlformats.org/drawingml/2006/main" xmlns:r="http://schemas.openxmlformats.org/officeDocument/2006/relationships" xmlns:p="http://schemas.openxmlformats.org/presentationml/2006/main">
+  <p:cSld>
+    <p:spTree>
+      <p:nvGrpSpPr>
+        <p:cNvPr id="1" name=""/>
+        <p:cNvGrpSpPr/>
+        <p:nvPr/>
+      </p:nvGrpSpPr>
+      <p:grpSpPr>
+        <a:xfrm>
+          <a:off x="0" y="0"/>
+          <a:ext cx="0" cy="0"/>
+          <a:chOff x="0" y="0"/>
+          <a:chExt cx="0" cy="0"/>
+        </a:xfrm>
+      </p:grpSpPr>
+      <p:sp>
+        <p:nvSpPr>
+          <p:cNvPr id="2" name="Title 1"/>
+          <p:cNvSpPr>
+            <a:spLocks noGrp="1"/>
+          </p:cNvSpPr>
+          <p:nvPr>
+            <p:ph type="title"/>
+          </p:nvPr>
+        </p:nvSpPr>
+        <p:spPr/>
+        <p:txBody>
+          <a:bodyPr/>
+          <a:lstStyle/>
+          <a:p>
+            <a:r>
+              <a:rPr lang="en-US" dirty="0" smtClean="0"/>
               <a:t>Problem: Exploding tasks</a:t>
             </a:r>
             <a:endParaRPr lang="en-US" dirty="0"/>
@@ -4914,116 +4987,6 @@
 </p:sld>
 </file>
 
-<file path=ppt/slides/slide25.xml><?xml version="1.0" encoding="utf-8"?>
-<p:sld xmlns:a="http://schemas.openxmlformats.org/drawingml/2006/main" xmlns:r="http://schemas.openxmlformats.org/officeDocument/2006/relationships" xmlns:p="http://schemas.openxmlformats.org/presentationml/2006/main">
-  <p:cSld>
-    <p:spTree>
-      <p:nvGrpSpPr>
-        <p:cNvPr id="1" name=""/>
-        <p:cNvGrpSpPr/>
-        <p:nvPr/>
-      </p:nvGrpSpPr>
-      <p:grpSpPr>
-        <a:xfrm>
-          <a:off x="0" y="0"/>
-          <a:ext cx="0" cy="0"/>
-          <a:chOff x="0" y="0"/>
-          <a:chExt cx="0" cy="0"/>
-        </a:xfrm>
-      </p:grpSpPr>
-      <p:sp>
-        <p:nvSpPr>
-          <p:cNvPr id="2" name="Title 1"/>
-          <p:cNvSpPr>
-            <a:spLocks noGrp="1"/>
-          </p:cNvSpPr>
-          <p:nvPr>
-            <p:ph type="title"/>
-          </p:nvPr>
-        </p:nvSpPr>
-        <p:spPr/>
-        <p:txBody>
-          <a:bodyPr/>
-          <a:lstStyle/>
-          <a:p>
-            <a:r>
-              <a:rPr lang="en-US" dirty="0" smtClean="0"/>
-              <a:t>Problem: Branching</a:t>
-            </a:r>
-            <a:endParaRPr lang="en-US" dirty="0"/>
-          </a:p>
-        </p:txBody>
-      </p:sp>
-      <p:sp>
-        <p:nvSpPr>
-          <p:cNvPr id="3" name="Content Placeholder 2"/>
-          <p:cNvSpPr>
-            <a:spLocks noGrp="1"/>
-          </p:cNvSpPr>
-          <p:nvPr>
-            <p:ph idx="1"/>
-          </p:nvPr>
-        </p:nvSpPr>
-        <p:spPr/>
-        <p:txBody>
-          <a:bodyPr/>
-          <a:lstStyle/>
-          <a:p>
-            <a:r>
-              <a:rPr lang="en-US" dirty="0" smtClean="0"/>
-              <a:t>Sucked historically</a:t>
-            </a:r>
-          </a:p>
-          <a:p>
-            <a:r>
-              <a:rPr lang="en-US" dirty="0" smtClean="0"/>
-              <a:t>Solution: Local branching</a:t>
-            </a:r>
-          </a:p>
-          <a:p>
-            <a:pPr lvl="1"/>
-            <a:r>
-              <a:rPr lang="en-US" dirty="0" smtClean="0"/>
-              <a:t>Anonymous branches</a:t>
-            </a:r>
-          </a:p>
-          <a:p>
-            <a:pPr lvl="1"/>
-            <a:r>
-              <a:rPr lang="en-US" dirty="0" smtClean="0"/>
-              <a:t>Named branches</a:t>
-            </a:r>
-          </a:p>
-          <a:p>
-            <a:pPr lvl="1"/>
-            <a:r>
-              <a:rPr lang="en-US" dirty="0" smtClean="0"/>
-              <a:t>Visualizing</a:t>
-            </a:r>
-          </a:p>
-          <a:p>
-            <a:pPr lvl="1"/>
-            <a:r>
-              <a:rPr lang="en-US" dirty="0" smtClean="0"/>
-              <a:t>Merging</a:t>
-            </a:r>
-            <a:endParaRPr lang="en-US" dirty="0"/>
-          </a:p>
-        </p:txBody>
-      </p:sp>
-    </p:spTree>
-    <p:extLst>
-      <p:ext uri="{BB962C8B-B14F-4D97-AF65-F5344CB8AC3E}">
-        <p14:creationId xmlns:p14="http://schemas.microsoft.com/office/powerpoint/2010/main" val="2787037058"/>
-      </p:ext>
-    </p:extLst>
-  </p:cSld>
-  <p:clrMapOvr>
-    <a:masterClrMapping/>
-  </p:clrMapOvr>
-</p:sld>
-</file>
-
 <file path=ppt/slides/slide26.xml><?xml version="1.0" encoding="utf-8"?>
 <p:sld xmlns:a="http://schemas.openxmlformats.org/drawingml/2006/main" xmlns:r="http://schemas.openxmlformats.org/officeDocument/2006/relationships" xmlns:p="http://schemas.openxmlformats.org/presentationml/2006/main">
   <p:cSld>
@@ -5058,6 +5021,116 @@
           <a:p>
             <a:r>
               <a:rPr lang="en-US" dirty="0" smtClean="0"/>
+              <a:t>Problem: Branching</a:t>
+            </a:r>
+            <a:endParaRPr lang="en-US" dirty="0"/>
+          </a:p>
+        </p:txBody>
+      </p:sp>
+      <p:sp>
+        <p:nvSpPr>
+          <p:cNvPr id="3" name="Content Placeholder 2"/>
+          <p:cNvSpPr>
+            <a:spLocks noGrp="1"/>
+          </p:cNvSpPr>
+          <p:nvPr>
+            <p:ph idx="1"/>
+          </p:nvPr>
+        </p:nvSpPr>
+        <p:spPr/>
+        <p:txBody>
+          <a:bodyPr/>
+          <a:lstStyle/>
+          <a:p>
+            <a:r>
+              <a:rPr lang="en-US" dirty="0" smtClean="0"/>
+              <a:t>Sucked historically</a:t>
+            </a:r>
+          </a:p>
+          <a:p>
+            <a:r>
+              <a:rPr lang="en-US" dirty="0" smtClean="0"/>
+              <a:t>Solution: Local branching</a:t>
+            </a:r>
+          </a:p>
+          <a:p>
+            <a:pPr lvl="1"/>
+            <a:r>
+              <a:rPr lang="en-US" dirty="0" smtClean="0"/>
+              <a:t>Anonymous branches</a:t>
+            </a:r>
+          </a:p>
+          <a:p>
+            <a:pPr lvl="1"/>
+            <a:r>
+              <a:rPr lang="en-US" dirty="0" smtClean="0"/>
+              <a:t>Named branches</a:t>
+            </a:r>
+          </a:p>
+          <a:p>
+            <a:pPr lvl="1"/>
+            <a:r>
+              <a:rPr lang="en-US" dirty="0" smtClean="0"/>
+              <a:t>Visualizing</a:t>
+            </a:r>
+          </a:p>
+          <a:p>
+            <a:pPr lvl="1"/>
+            <a:r>
+              <a:rPr lang="en-US" dirty="0" smtClean="0"/>
+              <a:t>Merging</a:t>
+            </a:r>
+            <a:endParaRPr lang="en-US" dirty="0"/>
+          </a:p>
+        </p:txBody>
+      </p:sp>
+    </p:spTree>
+    <p:extLst>
+      <p:ext uri="{BB962C8B-B14F-4D97-AF65-F5344CB8AC3E}">
+        <p14:creationId xmlns:p14="http://schemas.microsoft.com/office/powerpoint/2010/main" val="2787037058"/>
+      </p:ext>
+    </p:extLst>
+  </p:cSld>
+  <p:clrMapOvr>
+    <a:masterClrMapping/>
+  </p:clrMapOvr>
+</p:sld>
+</file>
+
+<file path=ppt/slides/slide27.xml><?xml version="1.0" encoding="utf-8"?>
+<p:sld xmlns:a="http://schemas.openxmlformats.org/drawingml/2006/main" xmlns:r="http://schemas.openxmlformats.org/officeDocument/2006/relationships" xmlns:p="http://schemas.openxmlformats.org/presentationml/2006/main">
+  <p:cSld>
+    <p:spTree>
+      <p:nvGrpSpPr>
+        <p:cNvPr id="1" name=""/>
+        <p:cNvGrpSpPr/>
+        <p:nvPr/>
+      </p:nvGrpSpPr>
+      <p:grpSpPr>
+        <a:xfrm>
+          <a:off x="0" y="0"/>
+          <a:ext cx="0" cy="0"/>
+          <a:chOff x="0" y="0"/>
+          <a:chExt cx="0" cy="0"/>
+        </a:xfrm>
+      </p:grpSpPr>
+      <p:sp>
+        <p:nvSpPr>
+          <p:cNvPr id="2" name="Title 1"/>
+          <p:cNvSpPr>
+            <a:spLocks noGrp="1"/>
+          </p:cNvSpPr>
+          <p:nvPr>
+            <p:ph type="title"/>
+          </p:nvPr>
+        </p:nvSpPr>
+        <p:spPr/>
+        <p:txBody>
+          <a:bodyPr/>
+          <a:lstStyle/>
+          <a:p>
+            <a:r>
+              <a:rPr lang="en-US" dirty="0" smtClean="0"/>
               <a:t>Productivity &amp; </a:t>
             </a:r>
             <a:r>
@@ -5157,7 +5230,79 @@
 </p:sld>
 </file>
 
-<file path=ppt/slides/slide27.xml><?xml version="1.0" encoding="utf-8"?>
+<file path=ppt/slides/slide28.xml><?xml version="1.0" encoding="utf-8"?>
+<p:sld xmlns:a="http://schemas.openxmlformats.org/drawingml/2006/main" xmlns:r="http://schemas.openxmlformats.org/officeDocument/2006/relationships" xmlns:p="http://schemas.openxmlformats.org/presentationml/2006/main">
+  <p:cSld>
+    <p:spTree>
+      <p:nvGrpSpPr>
+        <p:cNvPr id="1" name=""/>
+        <p:cNvGrpSpPr/>
+        <p:nvPr/>
+      </p:nvGrpSpPr>
+      <p:grpSpPr>
+        <a:xfrm>
+          <a:off x="0" y="0"/>
+          <a:ext cx="0" cy="0"/>
+          <a:chOff x="0" y="0"/>
+          <a:chExt cx="0" cy="0"/>
+        </a:xfrm>
+      </p:grpSpPr>
+      <p:sp>
+        <p:nvSpPr>
+          <p:cNvPr id="6" name="Title 5"/>
+          <p:cNvSpPr>
+            <a:spLocks noGrp="1"/>
+          </p:cNvSpPr>
+          <p:nvPr>
+            <p:ph type="ctrTitle"/>
+          </p:nvPr>
+        </p:nvSpPr>
+        <p:spPr/>
+        <p:txBody>
+          <a:bodyPr/>
+          <a:lstStyle/>
+          <a:p>
+            <a:r>
+              <a:rPr lang="en-US" dirty="0" smtClean="0"/>
+              <a:t>?s</a:t>
+            </a:r>
+            <a:endParaRPr lang="en-US" dirty="0"/>
+          </a:p>
+        </p:txBody>
+      </p:sp>
+      <p:sp>
+        <p:nvSpPr>
+          <p:cNvPr id="5" name="Text Placeholder 4"/>
+          <p:cNvSpPr>
+            <a:spLocks noGrp="1"/>
+          </p:cNvSpPr>
+          <p:nvPr>
+            <p:ph type="subTitle" idx="1"/>
+          </p:nvPr>
+        </p:nvSpPr>
+        <p:spPr/>
+        <p:txBody>
+          <a:bodyPr/>
+          <a:lstStyle/>
+          <a:p>
+            <a:endParaRPr lang="en-US" dirty="0"/>
+          </a:p>
+        </p:txBody>
+      </p:sp>
+    </p:spTree>
+    <p:extLst>
+      <p:ext uri="{BB962C8B-B14F-4D97-AF65-F5344CB8AC3E}">
+        <p14:creationId xmlns:p14="http://schemas.microsoft.com/office/powerpoint/2010/main" val="2697852008"/>
+      </p:ext>
+    </p:extLst>
+  </p:cSld>
+  <p:clrMapOvr>
+    <a:masterClrMapping/>
+  </p:clrMapOvr>
+</p:sld>
+</file>
+
+<file path=ppt/slides/slide29.xml><?xml version="1.0" encoding="utf-8"?>
 <p:sld xmlns:a="http://schemas.openxmlformats.org/drawingml/2006/main" xmlns:r="http://schemas.openxmlformats.org/officeDocument/2006/relationships" xmlns:p="http://schemas.openxmlformats.org/presentationml/2006/main">
   <p:cSld>
     <p:spTree>
@@ -5275,264 +5420,6 @@
 </p:sld>
 </file>
 
-<file path=ppt/slides/slide28.xml><?xml version="1.0" encoding="utf-8"?>
-<p:sld xmlns:a="http://schemas.openxmlformats.org/drawingml/2006/main" xmlns:r="http://schemas.openxmlformats.org/officeDocument/2006/relationships" xmlns:p="http://schemas.openxmlformats.org/presentationml/2006/main">
-  <p:cSld>
-    <p:spTree>
-      <p:nvGrpSpPr>
-        <p:cNvPr id="1" name=""/>
-        <p:cNvGrpSpPr/>
-        <p:nvPr/>
-      </p:nvGrpSpPr>
-      <p:grpSpPr>
-        <a:xfrm>
-          <a:off x="0" y="0"/>
-          <a:ext cx="0" cy="0"/>
-          <a:chOff x="0" y="0"/>
-          <a:chExt cx="0" cy="0"/>
-        </a:xfrm>
-      </p:grpSpPr>
-      <p:sp>
-        <p:nvSpPr>
-          <p:cNvPr id="2" name="Title 1"/>
-          <p:cNvSpPr>
-            <a:spLocks noGrp="1"/>
-          </p:cNvSpPr>
-          <p:nvPr>
-            <p:ph type="title"/>
-          </p:nvPr>
-        </p:nvSpPr>
-        <p:spPr/>
-        <p:txBody>
-          <a:bodyPr/>
-          <a:lstStyle/>
-          <a:p>
-            <a:r>
-              <a:rPr lang="en-US" dirty="0" smtClean="0"/>
-              <a:t>Automated Feedback</a:t>
-            </a:r>
-            <a:endParaRPr lang="en-US" dirty="0"/>
-          </a:p>
-        </p:txBody>
-      </p:sp>
-      <p:sp>
-        <p:nvSpPr>
-          <p:cNvPr id="4" name="Content Placeholder 3"/>
-          <p:cNvSpPr>
-            <a:spLocks noGrp="1"/>
-          </p:cNvSpPr>
-          <p:nvPr>
-            <p:ph idx="1"/>
-          </p:nvPr>
-        </p:nvSpPr>
-        <p:spPr/>
-        <p:txBody>
-          <a:bodyPr/>
-          <a:lstStyle/>
-          <a:p>
-            <a:r>
-              <a:rPr lang="en-US" dirty="0" smtClean="0"/>
-              <a:t>Failures</a:t>
-            </a:r>
-          </a:p>
-          <a:p>
-            <a:pPr lvl="1"/>
-            <a:r>
-              <a:rPr lang="en-US" dirty="0" smtClean="0"/>
-              <a:t>Build Failures</a:t>
-            </a:r>
-          </a:p>
-          <a:p>
-            <a:pPr lvl="1"/>
-            <a:r>
-              <a:rPr lang="en-US" dirty="0"/>
-              <a:t>Missing Artifacts </a:t>
-            </a:r>
-            <a:endParaRPr lang="en-US" dirty="0" smtClean="0"/>
-          </a:p>
-          <a:p>
-            <a:pPr lvl="1"/>
-            <a:r>
-              <a:rPr lang="en-US" dirty="0" smtClean="0"/>
-              <a:t>Broken Tests</a:t>
-            </a:r>
-          </a:p>
-          <a:p>
-            <a:r>
-              <a:rPr lang="en-US" dirty="0" smtClean="0"/>
-              <a:t>Success</a:t>
-            </a:r>
-          </a:p>
-          <a:p>
-            <a:pPr lvl="1"/>
-            <a:r>
-              <a:rPr lang="en-US" dirty="0" smtClean="0"/>
-              <a:t>Team feedback</a:t>
-            </a:r>
-          </a:p>
-          <a:p>
-            <a:pPr lvl="1"/>
-            <a:r>
-              <a:rPr lang="en-US" dirty="0" smtClean="0"/>
-              <a:t>Agile metrics</a:t>
-            </a:r>
-          </a:p>
-          <a:p>
-            <a:endParaRPr lang="en-US" dirty="0"/>
-          </a:p>
-        </p:txBody>
-      </p:sp>
-    </p:spTree>
-    <p:extLst>
-      <p:ext uri="{BB962C8B-B14F-4D97-AF65-F5344CB8AC3E}">
-        <p14:creationId xmlns:p14="http://schemas.microsoft.com/office/powerpoint/2010/main" val="435273956"/>
-      </p:ext>
-    </p:extLst>
-  </p:cSld>
-  <p:clrMapOvr>
-    <a:masterClrMapping/>
-  </p:clrMapOvr>
-</p:sld>
-</file>
-
-<file path=ppt/slides/slide29.xml><?xml version="1.0" encoding="utf-8"?>
-<p:sld xmlns:a="http://schemas.openxmlformats.org/drawingml/2006/main" xmlns:r="http://schemas.openxmlformats.org/officeDocument/2006/relationships" xmlns:p="http://schemas.openxmlformats.org/presentationml/2006/main">
-  <p:cSld>
-    <p:spTree>
-      <p:nvGrpSpPr>
-        <p:cNvPr id="1" name=""/>
-        <p:cNvGrpSpPr/>
-        <p:nvPr/>
-      </p:nvGrpSpPr>
-      <p:grpSpPr>
-        <a:xfrm>
-          <a:off x="0" y="0"/>
-          <a:ext cx="0" cy="0"/>
-          <a:chOff x="0" y="0"/>
-          <a:chExt cx="0" cy="0"/>
-        </a:xfrm>
-      </p:grpSpPr>
-      <p:sp>
-        <p:nvSpPr>
-          <p:cNvPr id="2" name="Title 1"/>
-          <p:cNvSpPr>
-            <a:spLocks noGrp="1"/>
-          </p:cNvSpPr>
-          <p:nvPr>
-            <p:ph type="title"/>
-          </p:nvPr>
-        </p:nvSpPr>
-        <p:spPr/>
-        <p:txBody>
-          <a:bodyPr/>
-          <a:lstStyle/>
-          <a:p>
-            <a:r>
-              <a:rPr lang="en-US" dirty="0" err="1" smtClean="0"/>
-              <a:t>CCNet</a:t>
-            </a:r>
-            <a:r>
-              <a:rPr lang="en-US" dirty="0" smtClean="0"/>
-              <a:t> Resources</a:t>
-            </a:r>
-            <a:endParaRPr lang="en-US" dirty="0"/>
-          </a:p>
-        </p:txBody>
-      </p:sp>
-      <p:sp>
-        <p:nvSpPr>
-          <p:cNvPr id="3" name="Content Placeholder 2"/>
-          <p:cNvSpPr>
-            <a:spLocks noGrp="1"/>
-          </p:cNvSpPr>
-          <p:nvPr>
-            <p:ph idx="1"/>
-          </p:nvPr>
-        </p:nvSpPr>
-        <p:spPr/>
-        <p:txBody>
-          <a:bodyPr/>
-          <a:lstStyle/>
-          <a:p>
-            <a:r>
-              <a:rPr lang="en-US" dirty="0"/>
-              <a:t>Free</a:t>
-            </a:r>
-          </a:p>
-          <a:p>
-            <a:r>
-              <a:rPr lang="en-US" dirty="0" err="1" smtClean="0"/>
-              <a:t>ThoughtWorks</a:t>
-            </a:r>
-            <a:endParaRPr lang="en-US" dirty="0" smtClean="0"/>
-          </a:p>
-          <a:p>
-            <a:r>
-              <a:rPr lang="en-US" dirty="0" smtClean="0">
-                <a:hlinkClick r:id="rId2"/>
-              </a:rPr>
-              <a:t>http://confluence.public.thoughtworks.org/display/CCNET/Welcome+to+CruiseControl.NET</a:t>
-            </a:r>
-            <a:endParaRPr lang="en-US" dirty="0" smtClean="0"/>
-          </a:p>
-          <a:p>
-            <a:r>
-              <a:rPr lang="en-US" dirty="0" smtClean="0"/>
-              <a:t>GUI </a:t>
-            </a:r>
-            <a:r>
-              <a:rPr lang="en-US" dirty="0" err="1" smtClean="0"/>
-              <a:t>config</a:t>
-            </a:r>
-            <a:endParaRPr lang="en-US" dirty="0" smtClean="0">
-              <a:hlinkClick r:id="rId3"/>
-            </a:endParaRPr>
-          </a:p>
-          <a:p>
-            <a:pPr lvl="1"/>
-            <a:r>
-              <a:rPr lang="en-US" dirty="0" smtClean="0">
-                <a:hlinkClick r:id="rId3"/>
-              </a:rPr>
-              <a:t>http</a:t>
-            </a:r>
-            <a:r>
-              <a:rPr lang="en-US" dirty="0">
-                <a:hlinkClick r:id="rId3"/>
-              </a:rPr>
-              <a:t>://ccnetconfig.codeplex.com</a:t>
-            </a:r>
-            <a:r>
-              <a:rPr lang="en-US" dirty="0" smtClean="0">
-                <a:hlinkClick r:id="rId3"/>
-              </a:rPr>
-              <a:t>/</a:t>
-            </a:r>
-            <a:endParaRPr lang="en-US" dirty="0" smtClean="0"/>
-          </a:p>
-          <a:p>
-            <a:pPr lvl="1"/>
-            <a:r>
-              <a:rPr lang="en-US" dirty="0" smtClean="0"/>
-              <a:t>Not maintained</a:t>
-            </a:r>
-            <a:endParaRPr lang="en-US" dirty="0"/>
-          </a:p>
-        </p:txBody>
-      </p:sp>
-    </p:spTree>
-    <p:extLst>
-      <p:ext uri="{BB962C8B-B14F-4D97-AF65-F5344CB8AC3E}">
-        <p14:creationId xmlns:p14="http://schemas.microsoft.com/office/powerpoint/2010/main" val="738950240"/>
-      </p:ext>
-    </p:extLst>
-  </p:cSld>
-  <p:clrMapOvr>
-    <a:masterClrMapping/>
-  </p:clrMapOvr>
-</p:sld>
-</file>
-
 <file path=ppt/slides/slide3.xml><?xml version="1.0" encoding="utf-8"?>
 <p:sld xmlns:a="http://schemas.openxmlformats.org/drawingml/2006/main" xmlns:r="http://schemas.openxmlformats.org/officeDocument/2006/relationships" xmlns:p="http://schemas.openxmlformats.org/presentationml/2006/main">
   <p:cSld>
@@ -5672,8 +5559,12 @@
           <a:lstStyle/>
           <a:p>
             <a:r>
-              <a:rPr lang="en-US" dirty="0" smtClean="0"/>
-              <a:t>Steps</a:t>
+              <a:rPr lang="en-US" dirty="0" err="1" smtClean="0"/>
+              <a:t>CCNet</a:t>
+            </a:r>
+            <a:r>
+              <a:rPr lang="en-US" dirty="0" smtClean="0"/>
+              <a:t> Resources</a:t>
             </a:r>
             <a:endParaRPr lang="en-US" dirty="0"/>
           </a:p>
@@ -5695,32 +5586,66 @@
           <a:lstStyle/>
           <a:p>
             <a:r>
-              <a:rPr lang="en-US" dirty="0" smtClean="0"/>
-              <a:t>Run service</a:t>
-            </a:r>
-          </a:p>
-          <a:p>
-            <a:r>
-              <a:rPr lang="en-US" dirty="0" smtClean="0"/>
-              <a:t>Connect via site</a:t>
-            </a:r>
-          </a:p>
-          <a:p>
-            <a:r>
-              <a:rPr lang="en-US" dirty="0" smtClean="0"/>
-              <a:t>Configure project</a:t>
-            </a:r>
-          </a:p>
-          <a:p>
-            <a:r>
-              <a:rPr lang="en-US" dirty="0" smtClean="0"/>
-              <a:t>Push changes</a:t>
-            </a:r>
-          </a:p>
-          <a:p>
-            <a:r>
-              <a:rPr lang="en-US" smtClean="0"/>
-              <a:t>Review output</a:t>
+              <a:rPr lang="en-US" dirty="0"/>
+              <a:t>Free</a:t>
+            </a:r>
+          </a:p>
+          <a:p>
+            <a:r>
+              <a:rPr lang="en-US" dirty="0" err="1" smtClean="0"/>
+              <a:t>ThoughtWorks</a:t>
+            </a:r>
+            <a:endParaRPr lang="en-US" dirty="0" smtClean="0"/>
+          </a:p>
+          <a:p>
+            <a:r>
+              <a:rPr lang="en-US" dirty="0" smtClean="0">
+                <a:hlinkClick r:id="rId2"/>
+              </a:rPr>
+              <a:t>http://confluence.public.thoughtworks.org/display/CCNET/Welcome+to+CruiseControl.NET</a:t>
+            </a:r>
+            <a:endParaRPr lang="en-US" dirty="0" smtClean="0"/>
+          </a:p>
+          <a:p>
+            <a:r>
+              <a:rPr lang="en-US" dirty="0" smtClean="0"/>
+              <a:t>GUI </a:t>
+            </a:r>
+            <a:r>
+              <a:rPr lang="en-US" dirty="0" err="1" smtClean="0"/>
+              <a:t>config</a:t>
+            </a:r>
+            <a:endParaRPr lang="en-US" dirty="0" smtClean="0">
+              <a:hlinkClick r:id="rId3"/>
+            </a:endParaRPr>
+          </a:p>
+          <a:p>
+            <a:pPr lvl="1"/>
+            <a:r>
+              <a:rPr lang="en-US" dirty="0" smtClean="0">
+                <a:hlinkClick r:id="rId3"/>
+              </a:rPr>
+              <a:t>http</a:t>
+            </a:r>
+            <a:r>
+              <a:rPr lang="en-US" dirty="0">
+                <a:hlinkClick r:id="rId3"/>
+              </a:rPr>
+              <a:t>://ccnetconfig.codeplex.com</a:t>
+            </a:r>
+            <a:r>
+              <a:rPr lang="en-US" dirty="0" smtClean="0">
+                <a:hlinkClick r:id="rId3"/>
+              </a:rPr>
+              <a:t>/</a:t>
+            </a:r>
+            <a:endParaRPr lang="en-US" dirty="0" smtClean="0"/>
+          </a:p>
+          <a:p>
+            <a:pPr lvl="1"/>
+            <a:r>
+              <a:rPr lang="en-US" dirty="0" smtClean="0"/>
+              <a:t>Not maintained</a:t>
             </a:r>
             <a:endParaRPr lang="en-US" dirty="0"/>
           </a:p>
@@ -5729,7 +5654,206 @@
     </p:spTree>
     <p:extLst>
       <p:ext uri="{BB962C8B-B14F-4D97-AF65-F5344CB8AC3E}">
-        <p14:creationId xmlns:p14="http://schemas.microsoft.com/office/powerpoint/2010/main" val="177066483"/>
+        <p14:creationId xmlns:p14="http://schemas.microsoft.com/office/powerpoint/2010/main" val="738950240"/>
+      </p:ext>
+    </p:extLst>
+  </p:cSld>
+  <p:clrMapOvr>
+    <a:masterClrMapping/>
+  </p:clrMapOvr>
+</p:sld>
+</file>
+
+<file path=ppt/slides/slide31.xml><?xml version="1.0" encoding="utf-8"?>
+<p:sld xmlns:a="http://schemas.openxmlformats.org/drawingml/2006/main" xmlns:r="http://schemas.openxmlformats.org/officeDocument/2006/relationships" xmlns:p="http://schemas.openxmlformats.org/presentationml/2006/main">
+  <p:cSld>
+    <p:spTree>
+      <p:nvGrpSpPr>
+        <p:cNvPr id="1" name=""/>
+        <p:cNvGrpSpPr/>
+        <p:nvPr/>
+      </p:nvGrpSpPr>
+      <p:grpSpPr>
+        <a:xfrm>
+          <a:off x="0" y="0"/>
+          <a:ext cx="0" cy="0"/>
+          <a:chOff x="0" y="0"/>
+          <a:chExt cx="0" cy="0"/>
+        </a:xfrm>
+      </p:grpSpPr>
+      <p:sp>
+        <p:nvSpPr>
+          <p:cNvPr id="2" name="Title 1"/>
+          <p:cNvSpPr>
+            <a:spLocks noGrp="1"/>
+          </p:cNvSpPr>
+          <p:nvPr>
+            <p:ph type="title"/>
+          </p:nvPr>
+        </p:nvSpPr>
+        <p:spPr/>
+        <p:txBody>
+          <a:bodyPr/>
+          <a:lstStyle/>
+          <a:p>
+            <a:r>
+              <a:rPr lang="en-US" dirty="0" smtClean="0"/>
+              <a:t>Automated Feedback</a:t>
+            </a:r>
+            <a:endParaRPr lang="en-US" dirty="0"/>
+          </a:p>
+        </p:txBody>
+      </p:sp>
+      <p:sp>
+        <p:nvSpPr>
+          <p:cNvPr id="4" name="Content Placeholder 3"/>
+          <p:cNvSpPr>
+            <a:spLocks noGrp="1"/>
+          </p:cNvSpPr>
+          <p:nvPr>
+            <p:ph sz="half" idx="1"/>
+          </p:nvPr>
+        </p:nvSpPr>
+        <p:spPr/>
+        <p:txBody>
+          <a:bodyPr/>
+          <a:lstStyle/>
+          <a:p>
+            <a:r>
+              <a:rPr lang="en-US" dirty="0" smtClean="0"/>
+              <a:t>Failures</a:t>
+            </a:r>
+          </a:p>
+          <a:p>
+            <a:pPr lvl="1"/>
+            <a:r>
+              <a:rPr lang="en-US" dirty="0" smtClean="0"/>
+              <a:t>Build Failures</a:t>
+            </a:r>
+          </a:p>
+          <a:p>
+            <a:pPr lvl="1"/>
+            <a:r>
+              <a:rPr lang="en-US" dirty="0"/>
+              <a:t>Missing Artifacts </a:t>
+            </a:r>
+            <a:endParaRPr lang="en-US" dirty="0" smtClean="0"/>
+          </a:p>
+          <a:p>
+            <a:pPr lvl="1"/>
+            <a:r>
+              <a:rPr lang="en-US" dirty="0" smtClean="0"/>
+              <a:t>Broken Tests</a:t>
+            </a:r>
+          </a:p>
+          <a:p>
+            <a:r>
+              <a:rPr lang="en-US" dirty="0" smtClean="0"/>
+              <a:t>Success</a:t>
+            </a:r>
+          </a:p>
+          <a:p>
+            <a:pPr lvl="1"/>
+            <a:r>
+              <a:rPr lang="en-US" dirty="0" smtClean="0"/>
+              <a:t>Team feedback</a:t>
+            </a:r>
+          </a:p>
+          <a:p>
+            <a:pPr lvl="1"/>
+            <a:r>
+              <a:rPr lang="en-US" dirty="0" smtClean="0"/>
+              <a:t>Agile metrics</a:t>
+            </a:r>
+          </a:p>
+          <a:p>
+            <a:endParaRPr lang="en-US" dirty="0"/>
+          </a:p>
+        </p:txBody>
+      </p:sp>
+      <p:sp>
+        <p:nvSpPr>
+          <p:cNvPr id="3" name="Content Placeholder 2"/>
+          <p:cNvSpPr>
+            <a:spLocks noGrp="1"/>
+          </p:cNvSpPr>
+          <p:nvPr>
+            <p:ph sz="half" idx="2"/>
+          </p:nvPr>
+        </p:nvSpPr>
+        <p:spPr/>
+        <p:txBody>
+          <a:bodyPr/>
+          <a:lstStyle/>
+          <a:p>
+            <a:r>
+              <a:rPr lang="en-US" dirty="0" err="1" smtClean="0"/>
+              <a:t>CCNet</a:t>
+            </a:r>
+            <a:endParaRPr lang="en-US" dirty="0" smtClean="0"/>
+          </a:p>
+          <a:p>
+            <a:pPr lvl="1"/>
+            <a:r>
+              <a:rPr lang="en-US" dirty="0" smtClean="0"/>
+              <a:t>Server</a:t>
+            </a:r>
+          </a:p>
+          <a:p>
+            <a:pPr lvl="1"/>
+            <a:r>
+              <a:rPr lang="en-US" dirty="0" err="1" smtClean="0"/>
+              <a:t>Config</a:t>
+            </a:r>
+            <a:r>
+              <a:rPr lang="en-US" dirty="0" smtClean="0"/>
+              <a:t> Validator</a:t>
+            </a:r>
+          </a:p>
+          <a:p>
+            <a:pPr lvl="2"/>
+            <a:r>
+              <a:rPr lang="en-US" dirty="0" smtClean="0"/>
+              <a:t>Project </a:t>
+            </a:r>
+            <a:r>
+              <a:rPr lang="en-US" dirty="0" err="1" smtClean="0"/>
+              <a:t>Config</a:t>
+            </a:r>
+            <a:endParaRPr lang="en-US" dirty="0" smtClean="0"/>
+          </a:p>
+          <a:p>
+            <a:pPr lvl="2"/>
+            <a:r>
+              <a:rPr lang="en-US" dirty="0"/>
+              <a:t>Documentation - http://build.sharpdevelop.net/ccnet/doc/CCNET/</a:t>
+            </a:r>
+            <a:endParaRPr lang="en-US" dirty="0" smtClean="0"/>
+          </a:p>
+          <a:p>
+            <a:pPr lvl="1"/>
+            <a:r>
+              <a:rPr lang="en-US" dirty="0" smtClean="0"/>
+              <a:t>Site</a:t>
+            </a:r>
+          </a:p>
+          <a:p>
+            <a:pPr lvl="1"/>
+            <a:r>
+              <a:rPr lang="en-US" dirty="0" smtClean="0"/>
+              <a:t>CC Tray</a:t>
+            </a:r>
+          </a:p>
+          <a:p>
+            <a:pPr lvl="1"/>
+            <a:endParaRPr lang="en-US" dirty="0"/>
+          </a:p>
+        </p:txBody>
+      </p:sp>
+    </p:spTree>
+    <p:extLst>
+      <p:ext uri="{BB962C8B-B14F-4D97-AF65-F5344CB8AC3E}">
+        <p14:creationId xmlns:p14="http://schemas.microsoft.com/office/powerpoint/2010/main" val="435273956"/>
       </p:ext>
     </p:extLst>
   </p:cSld>
